--- a/old/プレゼンテーション1.pptx
+++ b/old/プレゼンテーション1.pptx
@@ -104,6 +104,11 @@
       </a:defRPr>
     </a:lvl9pPr>
   </p:defaultTextStyle>
+  <p:extLst>
+    <p:ext uri="{EFAFB233-063F-42B5-8137-9DF3F51BA10A}">
+      <p15:sldGuideLst xmlns:p15="http://schemas.microsoft.com/office/powerpoint/2012/main"/>
+    </p:ext>
+  </p:extLst>
 </p:presentation>
 </file>
 
@@ -3260,22 +3265,22 @@
         </p:nvSpPr>
         <p:spPr>
           <a:xfrm rot="16200000">
-            <a:off x="2935061" y="2355396"/>
-            <a:ext cx="1240972" cy="1004207"/>
+            <a:off x="2905226" y="2570490"/>
+            <a:ext cx="1553736" cy="1257298"/>
           </a:xfrm>
           <a:prstGeom prst="rightArrow">
             <a:avLst>
-              <a:gd name="adj1" fmla="val 45122"/>
-              <a:gd name="adj2" fmla="val 54065"/>
+              <a:gd name="adj1" fmla="val 42407"/>
+              <a:gd name="adj2" fmla="val 74381"/>
             </a:avLst>
           </a:prstGeom>
           <a:solidFill>
-            <a:srgbClr val="FF0000"/>
+            <a:schemeClr val="accent1">
+              <a:lumMod val="75000"/>
+            </a:schemeClr>
           </a:solidFill>
           <a:ln w="38100">
-            <a:solidFill>
-              <a:srgbClr val="FF6699"/>
-            </a:solidFill>
+            <a:noFill/>
           </a:ln>
         </p:spPr>
         <p:style>
@@ -3289,6 +3294,86 @@
           </a:fillRef>
           <a:effectRef idx="0">
             <a:schemeClr val="accent2"/>
+          </a:effectRef>
+          <a:fontRef idx="minor">
+            <a:schemeClr val="lt1"/>
+          </a:fontRef>
+        </p:style>
+        <p:txBody>
+          <a:bodyPr rtlCol="0" anchor="ctr"/>
+          <a:lstStyle/>
+          <a:p>
+            <a:pPr algn="ctr"/>
+            <a:endParaRPr kumimoji="1" lang="ja-JP" altLang="en-US"/>
+          </a:p>
+        </p:txBody>
+      </p:sp>
+      <p:sp>
+        <p:nvSpPr>
+          <p:cNvPr id="2" name="ストライプ矢印 1"/>
+          <p:cNvSpPr/>
+          <p:nvPr/>
+        </p:nvSpPr>
+        <p:spPr>
+          <a:xfrm rot="16200000">
+            <a:off x="4882246" y="2987696"/>
+            <a:ext cx="1257300" cy="979715"/>
+          </a:xfrm>
+          <a:prstGeom prst="stripedRightArrow">
+            <a:avLst/>
+          </a:prstGeom>
+        </p:spPr>
+        <p:style>
+          <a:lnRef idx="2">
+            <a:schemeClr val="accent1">
+              <a:shade val="50000"/>
+            </a:schemeClr>
+          </a:lnRef>
+          <a:fillRef idx="1">
+            <a:schemeClr val="accent1"/>
+          </a:fillRef>
+          <a:effectRef idx="0">
+            <a:schemeClr val="accent1"/>
+          </a:effectRef>
+          <a:fontRef idx="minor">
+            <a:schemeClr val="lt1"/>
+          </a:fontRef>
+        </p:style>
+        <p:txBody>
+          <a:bodyPr rtlCol="0" anchor="ctr"/>
+          <a:lstStyle/>
+          <a:p>
+            <a:pPr algn="ctr"/>
+            <a:endParaRPr kumimoji="1" lang="ja-JP" altLang="en-US"/>
+          </a:p>
+        </p:txBody>
+      </p:sp>
+      <p:sp>
+        <p:nvSpPr>
+          <p:cNvPr id="3" name="ストライプ矢印 2"/>
+          <p:cNvSpPr/>
+          <p:nvPr/>
+        </p:nvSpPr>
+        <p:spPr>
+          <a:xfrm>
+            <a:off x="6376307" y="1828800"/>
+            <a:ext cx="938893" cy="660442"/>
+          </a:xfrm>
+          <a:prstGeom prst="stripedRightArrow">
+            <a:avLst/>
+          </a:prstGeom>
+        </p:spPr>
+        <p:style>
+          <a:lnRef idx="2">
+            <a:schemeClr val="accent1">
+              <a:shade val="50000"/>
+            </a:schemeClr>
+          </a:lnRef>
+          <a:fillRef idx="1">
+            <a:schemeClr val="accent1"/>
+          </a:fillRef>
+          <a:effectRef idx="0">
+            <a:schemeClr val="accent1"/>
           </a:effectRef>
           <a:fontRef idx="minor">
             <a:schemeClr val="lt1"/>
